--- a/Images/Figures_PPT/FilteredPieNoRictor.pptx
+++ b/Images/Figures_PPT/FilteredPieNoRictor.pptx
@@ -2298,741 +2298,955 @@
           </p:nvSpPr>
           <p:spPr>
             <a:xfrm>
-              <a:off x="3012875" y="1749568"/>
-              <a:ext cx="4947049" cy="4946871"/>
+              <a:off x="5486400" y="1749568"/>
+              <a:ext cx="591974" cy="2473613"/>
             </a:xfrm>
             <a:custGeom>
               <a:avLst/>
               <a:pathLst>
-                <a:path w="4947049" h="4946871">
+                <a:path w="591974" h="2473613">
                   <a:moveTo>
-                    <a:pt x="2473524" y="2473613"/>
+                    <a:pt x="0" y="2473613"/>
                   </a:moveTo>
                   <a:lnTo>
-                    <a:pt x="2473524" y="2388316"/>
-                  </a:lnTo>
-                  <a:lnTo>
-                    <a:pt x="2473524" y="2303019"/>
-                  </a:lnTo>
-                  <a:lnTo>
-                    <a:pt x="2473524" y="2217722"/>
-                  </a:lnTo>
-                  <a:lnTo>
-                    <a:pt x="2473524" y="2132425"/>
-                  </a:lnTo>
-                  <a:lnTo>
-                    <a:pt x="2473524" y="2047128"/>
-                  </a:lnTo>
-                  <a:lnTo>
-                    <a:pt x="2473524" y="1961831"/>
-                  </a:lnTo>
-                  <a:lnTo>
-                    <a:pt x="2473524" y="1876534"/>
-                  </a:lnTo>
-                  <a:lnTo>
-                    <a:pt x="2473524" y="1791237"/>
-                  </a:lnTo>
-                  <a:lnTo>
-                    <a:pt x="2473524" y="1705940"/>
-                  </a:lnTo>
-                  <a:lnTo>
-                    <a:pt x="2473524" y="1620643"/>
-                  </a:lnTo>
-                  <a:lnTo>
-                    <a:pt x="2473524" y="1535346"/>
-                  </a:lnTo>
-                  <a:lnTo>
-                    <a:pt x="2473524" y="1450049"/>
-                  </a:lnTo>
-                  <a:lnTo>
-                    <a:pt x="2473524" y="1364752"/>
-                  </a:lnTo>
-                  <a:lnTo>
-                    <a:pt x="2473524" y="1279455"/>
-                  </a:lnTo>
-                  <a:lnTo>
-                    <a:pt x="2473524" y="1194158"/>
-                  </a:lnTo>
-                  <a:lnTo>
-                    <a:pt x="2473524" y="1108861"/>
-                  </a:lnTo>
-                  <a:lnTo>
-                    <a:pt x="2473524" y="1023564"/>
-                  </a:lnTo>
-                  <a:lnTo>
-                    <a:pt x="2473524" y="938267"/>
-                  </a:lnTo>
-                  <a:lnTo>
-                    <a:pt x="2473524" y="852970"/>
-                  </a:lnTo>
-                  <a:lnTo>
-                    <a:pt x="2473524" y="767673"/>
-                  </a:lnTo>
-                  <a:lnTo>
-                    <a:pt x="2473524" y="682376"/>
-                  </a:lnTo>
-                  <a:lnTo>
-                    <a:pt x="2473524" y="597079"/>
-                  </a:lnTo>
-                  <a:lnTo>
-                    <a:pt x="2473524" y="511782"/>
-                  </a:lnTo>
-                  <a:lnTo>
-                    <a:pt x="2473524" y="426485"/>
-                  </a:lnTo>
-                  <a:lnTo>
-                    <a:pt x="2473524" y="341188"/>
-                  </a:lnTo>
-                  <a:lnTo>
-                    <a:pt x="2473524" y="255891"/>
-                  </a:lnTo>
-                  <a:lnTo>
-                    <a:pt x="2473524" y="170594"/>
-                  </a:lnTo>
-                  <a:lnTo>
-                    <a:pt x="2473524" y="85297"/>
-                  </a:lnTo>
-                  <a:lnTo>
-                    <a:pt x="2473524" y="0"/>
-                  </a:lnTo>
-                  <a:lnTo>
-                    <a:pt x="2389529" y="1426"/>
-                  </a:lnTo>
-                  <a:lnTo>
-                    <a:pt x="2305630" y="5704"/>
-                  </a:lnTo>
-                  <a:lnTo>
-                    <a:pt x="2221925" y="12828"/>
-                  </a:lnTo>
-                  <a:lnTo>
-                    <a:pt x="2138510" y="22791"/>
-                  </a:lnTo>
-                  <a:lnTo>
-                    <a:pt x="2055481" y="35580"/>
-                  </a:lnTo>
-                  <a:lnTo>
-                    <a:pt x="1972935" y="51182"/>
-                  </a:lnTo>
-                  <a:lnTo>
-                    <a:pt x="1890966" y="69577"/>
-                  </a:lnTo>
-                  <a:lnTo>
-                    <a:pt x="1809669" y="90745"/>
-                  </a:lnTo>
-                  <a:lnTo>
-                    <a:pt x="1729138" y="114661"/>
-                  </a:lnTo>
-                  <a:lnTo>
-                    <a:pt x="1649465" y="141299"/>
-                  </a:lnTo>
-                  <a:lnTo>
-                    <a:pt x="1570743" y="170626"/>
-                  </a:lnTo>
-                  <a:lnTo>
-                    <a:pt x="1493062" y="202609"/>
-                  </a:lnTo>
-                  <a:lnTo>
-                    <a:pt x="1416511" y="237212"/>
-                  </a:lnTo>
-                  <a:lnTo>
-                    <a:pt x="1341180" y="274395"/>
-                  </a:lnTo>
-                  <a:lnTo>
-                    <a:pt x="1267155" y="314114"/>
-                  </a:lnTo>
-                  <a:lnTo>
-                    <a:pt x="1194522" y="356323"/>
-                  </a:lnTo>
-                  <a:lnTo>
-                    <a:pt x="1123363" y="400975"/>
-                  </a:lnTo>
-                  <a:lnTo>
-                    <a:pt x="1053762" y="448017"/>
-                  </a:lnTo>
-                  <a:lnTo>
-                    <a:pt x="985798" y="497396"/>
-                  </a:lnTo>
-                  <a:lnTo>
-                    <a:pt x="919551" y="549053"/>
-                  </a:lnTo>
-                  <a:lnTo>
-                    <a:pt x="855095" y="602931"/>
-                  </a:lnTo>
-                  <a:lnTo>
-                    <a:pt x="792506" y="658966"/>
-                  </a:lnTo>
-                  <a:lnTo>
-                    <a:pt x="731856" y="717094"/>
-                  </a:lnTo>
-                  <a:lnTo>
-                    <a:pt x="673215" y="777249"/>
-                  </a:lnTo>
-                  <a:lnTo>
-                    <a:pt x="616651" y="839359"/>
-                  </a:lnTo>
-                  <a:lnTo>
-                    <a:pt x="562228" y="903355"/>
-                  </a:lnTo>
-                  <a:lnTo>
-                    <a:pt x="510009" y="969162"/>
-                  </a:lnTo>
-                  <a:lnTo>
-                    <a:pt x="460056" y="1036704"/>
-                  </a:lnTo>
-                  <a:lnTo>
-                    <a:pt x="412424" y="1105903"/>
-                  </a:lnTo>
-                  <a:lnTo>
-                    <a:pt x="367170" y="1176680"/>
-                  </a:lnTo>
-                  <a:lnTo>
-                    <a:pt x="324345" y="1248952"/>
-                  </a:lnTo>
-                  <a:lnTo>
-                    <a:pt x="283999" y="1322637"/>
-                  </a:lnTo>
-                  <a:lnTo>
-                    <a:pt x="246179" y="1397650"/>
-                  </a:lnTo>
-                  <a:lnTo>
-                    <a:pt x="210927" y="1473904"/>
-                  </a:lnTo>
-                  <a:lnTo>
-                    <a:pt x="178285" y="1551310"/>
-                  </a:lnTo>
-                  <a:lnTo>
-                    <a:pt x="148290" y="1629781"/>
-                  </a:lnTo>
-                  <a:lnTo>
-                    <a:pt x="120978" y="1709225"/>
-                  </a:lnTo>
-                  <a:lnTo>
-                    <a:pt x="96378" y="1789550"/>
-                  </a:lnTo>
-                  <a:lnTo>
-                    <a:pt x="74521" y="1870664"/>
-                  </a:lnTo>
-                  <a:lnTo>
-                    <a:pt x="55430" y="1952474"/>
-                  </a:lnTo>
-                  <a:lnTo>
-                    <a:pt x="39128" y="2034885"/>
-                  </a:lnTo>
-                  <a:lnTo>
-                    <a:pt x="25635" y="2117802"/>
-                  </a:lnTo>
-                  <a:lnTo>
-                    <a:pt x="14964" y="2201129"/>
-                  </a:lnTo>
-                  <a:lnTo>
-                    <a:pt x="7129" y="2284771"/>
-                  </a:lnTo>
-                  <a:lnTo>
-                    <a:pt x="2139" y="2368630"/>
-                  </a:lnTo>
-                  <a:lnTo>
-                    <a:pt x="0" y="2452611"/>
-                  </a:lnTo>
-                  <a:lnTo>
-                    <a:pt x="713" y="2536615"/>
-                  </a:lnTo>
-                  <a:lnTo>
-                    <a:pt x="4278" y="2620547"/>
-                  </a:lnTo>
-                  <a:lnTo>
-                    <a:pt x="10692" y="2704310"/>
-                  </a:lnTo>
-                  <a:lnTo>
-                    <a:pt x="19946" y="2787806"/>
-                  </a:lnTo>
-                  <a:lnTo>
-                    <a:pt x="32029" y="2870941"/>
-                  </a:lnTo>
-                  <a:lnTo>
-                    <a:pt x="46929" y="2953616"/>
-                  </a:lnTo>
-                  <a:lnTo>
-                    <a:pt x="64628" y="3035739"/>
-                  </a:lnTo>
-                  <a:lnTo>
-                    <a:pt x="85105" y="3117212"/>
-                  </a:lnTo>
-                  <a:lnTo>
-                    <a:pt x="108337" y="3197944"/>
-                  </a:lnTo>
-                  <a:lnTo>
-                    <a:pt x="134297" y="3277840"/>
-                  </a:lnTo>
-                  <a:lnTo>
-                    <a:pt x="162955" y="3356809"/>
-                  </a:lnTo>
-                  <a:lnTo>
-                    <a:pt x="194277" y="3434758"/>
-                  </a:lnTo>
-                  <a:lnTo>
-                    <a:pt x="228229" y="3511600"/>
-                  </a:lnTo>
-                  <a:lnTo>
-                    <a:pt x="264770" y="3587244"/>
-                  </a:lnTo>
-                  <a:lnTo>
-                    <a:pt x="303859" y="3661603"/>
-                  </a:lnTo>
-                  <a:lnTo>
-                    <a:pt x="345451" y="3734593"/>
-                  </a:lnTo>
-                  <a:lnTo>
-                    <a:pt x="389497" y="3806128"/>
-                  </a:lnTo>
-                  <a:lnTo>
-                    <a:pt x="435946" y="3876126"/>
-                  </a:lnTo>
-                  <a:lnTo>
-                    <a:pt x="484746" y="3944506"/>
-                  </a:lnTo>
-                  <a:lnTo>
-                    <a:pt x="535839" y="4011190"/>
-                  </a:lnTo>
-                  <a:lnTo>
-                    <a:pt x="589168" y="4076101"/>
-                  </a:lnTo>
-                  <a:lnTo>
-                    <a:pt x="644669" y="4139163"/>
-                  </a:lnTo>
-                  <a:lnTo>
-                    <a:pt x="702281" y="4200304"/>
-                  </a:lnTo>
-                  <a:lnTo>
-                    <a:pt x="761935" y="4259454"/>
-                  </a:lnTo>
-                  <a:lnTo>
-                    <a:pt x="823563" y="4316544"/>
-                  </a:lnTo>
-                  <a:lnTo>
-                    <a:pt x="887094" y="4371508"/>
-                  </a:lnTo>
-                  <a:lnTo>
-                    <a:pt x="952455" y="4424284"/>
-                  </a:lnTo>
-                  <a:lnTo>
-                    <a:pt x="1019570" y="4474809"/>
-                  </a:lnTo>
-                  <a:lnTo>
-                    <a:pt x="1088363" y="4523026"/>
-                  </a:lnTo>
-                  <a:lnTo>
-                    <a:pt x="1158753" y="4568880"/>
-                  </a:lnTo>
-                  <a:lnTo>
-                    <a:pt x="1230659" y="4612317"/>
-                  </a:lnTo>
-                  <a:lnTo>
-                    <a:pt x="1303999" y="4653287"/>
-                  </a:lnTo>
-                  <a:lnTo>
-                    <a:pt x="1378688" y="4691743"/>
-                  </a:lnTo>
-                  <a:lnTo>
-                    <a:pt x="1454640" y="4727641"/>
-                  </a:lnTo>
-                  <a:lnTo>
-                    <a:pt x="1531766" y="4760939"/>
-                  </a:lnTo>
-                  <a:lnTo>
-                    <a:pt x="1609979" y="4791599"/>
-                  </a:lnTo>
-                  <a:lnTo>
-                    <a:pt x="1689188" y="4819585"/>
-                  </a:lnTo>
-                  <a:lnTo>
-                    <a:pt x="1769302" y="4844866"/>
-                  </a:lnTo>
-                  <a:lnTo>
-                    <a:pt x="1850228" y="4867411"/>
-                  </a:lnTo>
-                  <a:lnTo>
-                    <a:pt x="1931873" y="4887196"/>
-                  </a:lnTo>
-                  <a:lnTo>
-                    <a:pt x="2014142" y="4904196"/>
-                  </a:lnTo>
-                  <a:lnTo>
-                    <a:pt x="2096941" y="4918394"/>
-                  </a:lnTo>
-                  <a:lnTo>
-                    <a:pt x="2180175" y="4929771"/>
-                  </a:lnTo>
-                  <a:lnTo>
-                    <a:pt x="2263747" y="4938316"/>
-                  </a:lnTo>
-                  <a:lnTo>
-                    <a:pt x="2347561" y="4944018"/>
-                  </a:lnTo>
-                  <a:lnTo>
-                    <a:pt x="2431520" y="4946871"/>
-                  </a:lnTo>
-                  <a:lnTo>
-                    <a:pt x="2515528" y="4946871"/>
-                  </a:lnTo>
-                  <a:lnTo>
-                    <a:pt x="2599487" y="4944018"/>
-                  </a:lnTo>
-                  <a:lnTo>
-                    <a:pt x="2683301" y="4938316"/>
-                  </a:lnTo>
-                  <a:lnTo>
-                    <a:pt x="2766873" y="4929771"/>
-                  </a:lnTo>
-                  <a:lnTo>
-                    <a:pt x="2850107" y="4918394"/>
-                  </a:lnTo>
-                  <a:lnTo>
-                    <a:pt x="2932906" y="4904196"/>
-                  </a:lnTo>
-                  <a:lnTo>
-                    <a:pt x="3015176" y="4887196"/>
-                  </a:lnTo>
-                  <a:lnTo>
-                    <a:pt x="3096821" y="4867411"/>
-                  </a:lnTo>
-                  <a:lnTo>
-                    <a:pt x="3177747" y="4844866"/>
-                  </a:lnTo>
-                  <a:lnTo>
-                    <a:pt x="3257860" y="4819585"/>
-                  </a:lnTo>
-                  <a:lnTo>
-                    <a:pt x="3337069" y="4791599"/>
-                  </a:lnTo>
-                  <a:lnTo>
-                    <a:pt x="3415282" y="4760939"/>
-                  </a:lnTo>
-                  <a:lnTo>
-                    <a:pt x="3492409" y="4727641"/>
-                  </a:lnTo>
-                  <a:lnTo>
-                    <a:pt x="3568361" y="4691743"/>
-                  </a:lnTo>
-                  <a:lnTo>
-                    <a:pt x="3643049" y="4653287"/>
-                  </a:lnTo>
-                  <a:lnTo>
-                    <a:pt x="3716389" y="4612317"/>
-                  </a:lnTo>
-                  <a:lnTo>
-                    <a:pt x="3788296" y="4568880"/>
-                  </a:lnTo>
-                  <a:lnTo>
-                    <a:pt x="3858686" y="4523026"/>
-                  </a:lnTo>
-                  <a:lnTo>
-                    <a:pt x="3927478" y="4474809"/>
-                  </a:lnTo>
-                  <a:lnTo>
-                    <a:pt x="3994593" y="4424284"/>
-                  </a:lnTo>
-                  <a:lnTo>
-                    <a:pt x="4059954" y="4371508"/>
-                  </a:lnTo>
-                  <a:lnTo>
-                    <a:pt x="4123486" y="4316544"/>
-                  </a:lnTo>
-                  <a:lnTo>
-                    <a:pt x="4185114" y="4259454"/>
-                  </a:lnTo>
-                  <a:lnTo>
-                    <a:pt x="4244768" y="4200304"/>
-                  </a:lnTo>
-                  <a:lnTo>
-                    <a:pt x="4302379" y="4139163"/>
-                  </a:lnTo>
-                  <a:lnTo>
-                    <a:pt x="4357881" y="4076101"/>
-                  </a:lnTo>
-                  <a:lnTo>
-                    <a:pt x="4411209" y="4011190"/>
-                  </a:lnTo>
-                  <a:lnTo>
-                    <a:pt x="4462303" y="3944506"/>
-                  </a:lnTo>
-                  <a:lnTo>
-                    <a:pt x="4511102" y="3876126"/>
-                  </a:lnTo>
-                  <a:lnTo>
-                    <a:pt x="4557552" y="3806128"/>
-                  </a:lnTo>
-                  <a:lnTo>
-                    <a:pt x="4601598" y="3734593"/>
-                  </a:lnTo>
-                  <a:lnTo>
-                    <a:pt x="4643189" y="3661603"/>
-                  </a:lnTo>
-                  <a:lnTo>
-                    <a:pt x="4682278" y="3587244"/>
-                  </a:lnTo>
-                  <a:lnTo>
-                    <a:pt x="4718819" y="3511600"/>
-                  </a:lnTo>
-                  <a:lnTo>
-                    <a:pt x="4752771" y="3434758"/>
-                  </a:lnTo>
-                  <a:lnTo>
-                    <a:pt x="4784094" y="3356809"/>
-                  </a:lnTo>
-                  <a:lnTo>
-                    <a:pt x="4812752" y="3277840"/>
-                  </a:lnTo>
-                  <a:lnTo>
-                    <a:pt x="4838712" y="3197944"/>
-                  </a:lnTo>
-                  <a:lnTo>
-                    <a:pt x="4861943" y="3117212"/>
-                  </a:lnTo>
-                  <a:lnTo>
-                    <a:pt x="4882421" y="3035739"/>
-                  </a:lnTo>
-                  <a:lnTo>
-                    <a:pt x="4900119" y="2953616"/>
-                  </a:lnTo>
-                  <a:lnTo>
-                    <a:pt x="4915019" y="2870941"/>
-                  </a:lnTo>
-                  <a:lnTo>
-                    <a:pt x="4927103" y="2787806"/>
-                  </a:lnTo>
-                  <a:lnTo>
-                    <a:pt x="4936357" y="2704310"/>
-                  </a:lnTo>
-                  <a:lnTo>
-                    <a:pt x="4942770" y="2620547"/>
-                  </a:lnTo>
-                  <a:lnTo>
-                    <a:pt x="4946336" y="2536615"/>
-                  </a:lnTo>
-                  <a:lnTo>
-                    <a:pt x="4947049" y="2452611"/>
-                  </a:lnTo>
-                  <a:lnTo>
-                    <a:pt x="4944909" y="2368630"/>
-                  </a:lnTo>
-                  <a:lnTo>
-                    <a:pt x="4939919" y="2284771"/>
-                  </a:lnTo>
-                  <a:lnTo>
-                    <a:pt x="4932084" y="2201129"/>
-                  </a:lnTo>
-                  <a:lnTo>
-                    <a:pt x="4921414" y="2117802"/>
-                  </a:lnTo>
-                  <a:lnTo>
-                    <a:pt x="4907920" y="2034885"/>
-                  </a:lnTo>
-                  <a:lnTo>
-                    <a:pt x="4891619" y="1952474"/>
-                  </a:lnTo>
-                  <a:lnTo>
-                    <a:pt x="4872528" y="1870664"/>
-                  </a:lnTo>
-                  <a:lnTo>
-                    <a:pt x="4850670" y="1789550"/>
-                  </a:lnTo>
-                  <a:lnTo>
-                    <a:pt x="4826071" y="1709225"/>
-                  </a:lnTo>
-                  <a:lnTo>
-                    <a:pt x="4798758" y="1629781"/>
-                  </a:lnTo>
-                  <a:lnTo>
-                    <a:pt x="4768763" y="1551310"/>
-                  </a:lnTo>
-                  <a:lnTo>
-                    <a:pt x="4736122" y="1473904"/>
-                  </a:lnTo>
-                  <a:lnTo>
-                    <a:pt x="4700870" y="1397650"/>
-                  </a:lnTo>
-                  <a:lnTo>
-                    <a:pt x="4663049" y="1322637"/>
-                  </a:lnTo>
-                  <a:lnTo>
-                    <a:pt x="4622703" y="1248952"/>
-                  </a:lnTo>
-                  <a:lnTo>
-                    <a:pt x="4579879" y="1176680"/>
-                  </a:lnTo>
-                  <a:lnTo>
-                    <a:pt x="4534624" y="1105903"/>
-                  </a:lnTo>
-                  <a:lnTo>
-                    <a:pt x="4486993" y="1036704"/>
-                  </a:lnTo>
-                  <a:lnTo>
-                    <a:pt x="4437039" y="969162"/>
-                  </a:lnTo>
-                  <a:lnTo>
-                    <a:pt x="4384821" y="903355"/>
-                  </a:lnTo>
-                  <a:lnTo>
-                    <a:pt x="4330398" y="839359"/>
-                  </a:lnTo>
-                  <a:lnTo>
-                    <a:pt x="4273833" y="777249"/>
-                  </a:lnTo>
-                  <a:lnTo>
-                    <a:pt x="4215192" y="717094"/>
-                  </a:lnTo>
-                  <a:lnTo>
-                    <a:pt x="4154542" y="658966"/>
-                  </a:lnTo>
-                  <a:lnTo>
-                    <a:pt x="4091953" y="602931"/>
-                  </a:lnTo>
-                  <a:lnTo>
-                    <a:pt x="4027498" y="549053"/>
-                  </a:lnTo>
-                  <a:lnTo>
-                    <a:pt x="3961250" y="497396"/>
-                  </a:lnTo>
-                  <a:lnTo>
-                    <a:pt x="3893287" y="448017"/>
-                  </a:lnTo>
-                  <a:lnTo>
-                    <a:pt x="3823685" y="400975"/>
-                  </a:lnTo>
-                  <a:lnTo>
-                    <a:pt x="3752527" y="356323"/>
-                  </a:lnTo>
-                  <a:lnTo>
-                    <a:pt x="3679893" y="314114"/>
-                  </a:lnTo>
-                  <a:lnTo>
-                    <a:pt x="3605868" y="274395"/>
-                  </a:lnTo>
-                  <a:lnTo>
-                    <a:pt x="3530537" y="237212"/>
-                  </a:lnTo>
-                  <a:lnTo>
-                    <a:pt x="3453987" y="202609"/>
-                  </a:lnTo>
-                  <a:lnTo>
-                    <a:pt x="3376306" y="170626"/>
-                  </a:lnTo>
-                  <a:lnTo>
-                    <a:pt x="3297584" y="141299"/>
-                  </a:lnTo>
-                  <a:lnTo>
-                    <a:pt x="3217911" y="114661"/>
-                  </a:lnTo>
-                  <a:lnTo>
-                    <a:pt x="3137379" y="90745"/>
-                  </a:lnTo>
-                  <a:lnTo>
-                    <a:pt x="3056082" y="69577"/>
-                  </a:lnTo>
-                  <a:lnTo>
-                    <a:pt x="2974113" y="51182"/>
-                  </a:lnTo>
-                  <a:lnTo>
-                    <a:pt x="2891567" y="35580"/>
-                  </a:lnTo>
-                  <a:lnTo>
-                    <a:pt x="2808539" y="22791"/>
-                  </a:lnTo>
-                  <a:lnTo>
-                    <a:pt x="2725124" y="12828"/>
-                  </a:lnTo>
-                  <a:lnTo>
-                    <a:pt x="2641419" y="5704"/>
-                  </a:lnTo>
-                  <a:lnTo>
-                    <a:pt x="2557520" y="1426"/>
-                  </a:lnTo>
-                  <a:lnTo>
-                    <a:pt x="2473524" y="0"/>
-                  </a:lnTo>
-                  <a:lnTo>
-                    <a:pt x="2473524" y="85297"/>
-                  </a:lnTo>
-                  <a:lnTo>
-                    <a:pt x="2473524" y="170594"/>
-                  </a:lnTo>
-                  <a:lnTo>
-                    <a:pt x="2473524" y="255891"/>
-                  </a:lnTo>
-                  <a:lnTo>
-                    <a:pt x="2473524" y="341188"/>
-                  </a:lnTo>
-                  <a:lnTo>
-                    <a:pt x="2473524" y="426485"/>
-                  </a:lnTo>
-                  <a:lnTo>
-                    <a:pt x="2473524" y="511782"/>
-                  </a:lnTo>
-                  <a:lnTo>
-                    <a:pt x="2473524" y="597079"/>
-                  </a:lnTo>
-                  <a:lnTo>
-                    <a:pt x="2473524" y="682376"/>
-                  </a:lnTo>
-                  <a:lnTo>
-                    <a:pt x="2473524" y="767673"/>
-                  </a:lnTo>
-                  <a:lnTo>
-                    <a:pt x="2473524" y="852970"/>
-                  </a:lnTo>
-                  <a:lnTo>
-                    <a:pt x="2473524" y="938267"/>
-                  </a:lnTo>
-                  <a:lnTo>
-                    <a:pt x="2473524" y="1023564"/>
-                  </a:lnTo>
-                  <a:lnTo>
-                    <a:pt x="2473524" y="1108861"/>
-                  </a:lnTo>
-                  <a:lnTo>
-                    <a:pt x="2473524" y="1194158"/>
-                  </a:lnTo>
-                  <a:lnTo>
-                    <a:pt x="2473524" y="1279455"/>
-                  </a:lnTo>
-                  <a:lnTo>
-                    <a:pt x="2473524" y="1364752"/>
-                  </a:lnTo>
-                  <a:lnTo>
-                    <a:pt x="2473524" y="1450049"/>
-                  </a:lnTo>
-                  <a:lnTo>
-                    <a:pt x="2473524" y="1535346"/>
-                  </a:lnTo>
-                  <a:lnTo>
-                    <a:pt x="2473524" y="1620643"/>
-                  </a:lnTo>
-                  <a:lnTo>
-                    <a:pt x="2473524" y="1705940"/>
-                  </a:lnTo>
-                  <a:lnTo>
-                    <a:pt x="2473524" y="1791237"/>
-                  </a:lnTo>
-                  <a:lnTo>
-                    <a:pt x="2473524" y="1876534"/>
-                  </a:lnTo>
-                  <a:lnTo>
-                    <a:pt x="2473524" y="1961831"/>
-                  </a:lnTo>
-                  <a:lnTo>
-                    <a:pt x="2473524" y="2047128"/>
-                  </a:lnTo>
-                  <a:lnTo>
-                    <a:pt x="2473524" y="2132425"/>
-                  </a:lnTo>
-                  <a:lnTo>
-                    <a:pt x="2473524" y="2217722"/>
-                  </a:lnTo>
-                  <a:lnTo>
-                    <a:pt x="2473524" y="2303019"/>
-                  </a:lnTo>
-                  <a:lnTo>
-                    <a:pt x="2473524" y="2388316"/>
+                    <a:pt x="20412" y="2390795"/>
+                  </a:lnTo>
+                  <a:lnTo>
+                    <a:pt x="40825" y="2307977"/>
+                  </a:lnTo>
+                  <a:lnTo>
+                    <a:pt x="61238" y="2225158"/>
+                  </a:lnTo>
+                  <a:lnTo>
+                    <a:pt x="81651" y="2142340"/>
+                  </a:lnTo>
+                  <a:lnTo>
+                    <a:pt x="102064" y="2059521"/>
+                  </a:lnTo>
+                  <a:lnTo>
+                    <a:pt x="122477" y="1976703"/>
+                  </a:lnTo>
+                  <a:lnTo>
+                    <a:pt x="142890" y="1893884"/>
+                  </a:lnTo>
+                  <a:lnTo>
+                    <a:pt x="163303" y="1811066"/>
+                  </a:lnTo>
+                  <a:lnTo>
+                    <a:pt x="183716" y="1728247"/>
+                  </a:lnTo>
+                  <a:lnTo>
+                    <a:pt x="204129" y="1645429"/>
+                  </a:lnTo>
+                  <a:lnTo>
+                    <a:pt x="224542" y="1562610"/>
+                  </a:lnTo>
+                  <a:lnTo>
+                    <a:pt x="244954" y="1479792"/>
+                  </a:lnTo>
+                  <a:lnTo>
+                    <a:pt x="265367" y="1396974"/>
+                  </a:lnTo>
+                  <a:lnTo>
+                    <a:pt x="285780" y="1314155"/>
+                  </a:lnTo>
+                  <a:lnTo>
+                    <a:pt x="306193" y="1231337"/>
+                  </a:lnTo>
+                  <a:lnTo>
+                    <a:pt x="326606" y="1148518"/>
+                  </a:lnTo>
+                  <a:lnTo>
+                    <a:pt x="347019" y="1065700"/>
+                  </a:lnTo>
+                  <a:lnTo>
+                    <a:pt x="367432" y="982881"/>
+                  </a:lnTo>
+                  <a:lnTo>
+                    <a:pt x="387845" y="900063"/>
+                  </a:lnTo>
+                  <a:lnTo>
+                    <a:pt x="408258" y="817244"/>
+                  </a:lnTo>
+                  <a:lnTo>
+                    <a:pt x="428671" y="734426"/>
+                  </a:lnTo>
+                  <a:lnTo>
+                    <a:pt x="449084" y="651607"/>
+                  </a:lnTo>
+                  <a:lnTo>
+                    <a:pt x="469497" y="568789"/>
+                  </a:lnTo>
+                  <a:lnTo>
+                    <a:pt x="489909" y="485971"/>
+                  </a:lnTo>
+                  <a:lnTo>
+                    <a:pt x="510322" y="403152"/>
+                  </a:lnTo>
+                  <a:lnTo>
+                    <a:pt x="530735" y="320334"/>
+                  </a:lnTo>
+                  <a:lnTo>
+                    <a:pt x="551148" y="237515"/>
+                  </a:lnTo>
+                  <a:lnTo>
+                    <a:pt x="571561" y="154697"/>
+                  </a:lnTo>
+                  <a:lnTo>
+                    <a:pt x="591974" y="71878"/>
+                  </a:lnTo>
+                  <a:lnTo>
+                    <a:pt x="508723" y="52877"/>
+                  </a:lnTo>
+                  <a:lnTo>
+                    <a:pt x="424865" y="36760"/>
+                  </a:lnTo>
+                  <a:lnTo>
+                    <a:pt x="340501" y="23547"/>
+                  </a:lnTo>
+                  <a:lnTo>
+                    <a:pt x="255731" y="13254"/>
+                  </a:lnTo>
+                  <a:lnTo>
+                    <a:pt x="170657" y="5893"/>
+                  </a:lnTo>
+                  <a:lnTo>
+                    <a:pt x="85379" y="1473"/>
+                  </a:lnTo>
+                  <a:lnTo>
+                    <a:pt x="0" y="0"/>
+                  </a:lnTo>
+                  <a:lnTo>
+                    <a:pt x="0" y="85297"/>
+                  </a:lnTo>
+                  <a:lnTo>
+                    <a:pt x="0" y="170594"/>
+                  </a:lnTo>
+                  <a:lnTo>
+                    <a:pt x="0" y="255891"/>
+                  </a:lnTo>
+                  <a:lnTo>
+                    <a:pt x="0" y="341188"/>
+                  </a:lnTo>
+                  <a:lnTo>
+                    <a:pt x="0" y="426485"/>
+                  </a:lnTo>
+                  <a:lnTo>
+                    <a:pt x="0" y="511782"/>
+                  </a:lnTo>
+                  <a:lnTo>
+                    <a:pt x="0" y="597079"/>
+                  </a:lnTo>
+                  <a:lnTo>
+                    <a:pt x="0" y="682376"/>
+                  </a:lnTo>
+                  <a:lnTo>
+                    <a:pt x="0" y="767673"/>
+                  </a:lnTo>
+                  <a:lnTo>
+                    <a:pt x="0" y="852970"/>
+                  </a:lnTo>
+                  <a:lnTo>
+                    <a:pt x="0" y="938267"/>
+                  </a:lnTo>
+                  <a:lnTo>
+                    <a:pt x="0" y="1023564"/>
+                  </a:lnTo>
+                  <a:lnTo>
+                    <a:pt x="0" y="1108861"/>
+                  </a:lnTo>
+                  <a:lnTo>
+                    <a:pt x="0" y="1194158"/>
+                  </a:lnTo>
+                  <a:lnTo>
+                    <a:pt x="0" y="1279455"/>
+                  </a:lnTo>
+                  <a:lnTo>
+                    <a:pt x="0" y="1364752"/>
+                  </a:lnTo>
+                  <a:lnTo>
+                    <a:pt x="0" y="1450049"/>
+                  </a:lnTo>
+                  <a:lnTo>
+                    <a:pt x="0" y="1535346"/>
+                  </a:lnTo>
+                  <a:lnTo>
+                    <a:pt x="0" y="1620643"/>
+                  </a:lnTo>
+                  <a:lnTo>
+                    <a:pt x="0" y="1705940"/>
+                  </a:lnTo>
+                  <a:lnTo>
+                    <a:pt x="0" y="1791237"/>
+                  </a:lnTo>
+                  <a:lnTo>
+                    <a:pt x="0" y="1876534"/>
+                  </a:lnTo>
+                  <a:lnTo>
+                    <a:pt x="0" y="1961831"/>
+                  </a:lnTo>
+                  <a:lnTo>
+                    <a:pt x="0" y="2047128"/>
+                  </a:lnTo>
+                  <a:lnTo>
+                    <a:pt x="0" y="2132425"/>
+                  </a:lnTo>
+                  <a:lnTo>
+                    <a:pt x="0" y="2217722"/>
+                  </a:lnTo>
+                  <a:lnTo>
+                    <a:pt x="0" y="2303019"/>
+                  </a:lnTo>
+                  <a:lnTo>
+                    <a:pt x="0" y="2388316"/>
+                  </a:lnTo>
+                  <a:close/>
+                </a:path>
+              </a:pathLst>
+            </a:custGeom>
+            <a:solidFill>
+              <a:srgbClr val="A87142">
+                <a:alpha val="100000"/>
+              </a:srgbClr>
+            </a:solidFill>
+            <a:ln w="13550" cap="flat">
+              <a:solidFill>
+                <a:srgbClr val="000000">
+                  <a:alpha val="100000"/>
+                </a:srgbClr>
+              </a:solidFill>
+              <a:prstDash val="solid"/>
+              <a:miter/>
+            </a:ln>
+          </p:spPr>
+          <p:txBody>
+            <a:bodyPr/>
+            <a:lstStyle/>
+            <a:p/>
+          </p:txBody>
+        </p:sp>
+        <p:sp>
+          <p:nvSpPr>
+            <p:cNvPr id="6" name="pg5"/>
+            <p:cNvSpPr/>
+            <p:nvPr/>
+          </p:nvSpPr>
+          <p:spPr>
+            <a:xfrm>
+              <a:off x="3012897" y="1749568"/>
+              <a:ext cx="4947079" cy="4946952"/>
+            </a:xfrm>
+            <a:custGeom>
+              <a:avLst/>
+              <a:pathLst>
+                <a:path w="4947079" h="4946952">
+                  <a:moveTo>
+                    <a:pt x="2473502" y="2473613"/>
+                  </a:moveTo>
+                  <a:lnTo>
+                    <a:pt x="2473502" y="2388316"/>
+                  </a:lnTo>
+                  <a:lnTo>
+                    <a:pt x="2473502" y="2303019"/>
+                  </a:lnTo>
+                  <a:lnTo>
+                    <a:pt x="2473502" y="2217722"/>
+                  </a:lnTo>
+                  <a:lnTo>
+                    <a:pt x="2473502" y="2132425"/>
+                  </a:lnTo>
+                  <a:lnTo>
+                    <a:pt x="2473502" y="2047128"/>
+                  </a:lnTo>
+                  <a:lnTo>
+                    <a:pt x="2473502" y="1961831"/>
+                  </a:lnTo>
+                  <a:lnTo>
+                    <a:pt x="2473502" y="1876534"/>
+                  </a:lnTo>
+                  <a:lnTo>
+                    <a:pt x="2473502" y="1791237"/>
+                  </a:lnTo>
+                  <a:lnTo>
+                    <a:pt x="2473502" y="1705940"/>
+                  </a:lnTo>
+                  <a:lnTo>
+                    <a:pt x="2473502" y="1620643"/>
+                  </a:lnTo>
+                  <a:lnTo>
+                    <a:pt x="2473502" y="1535346"/>
+                  </a:lnTo>
+                  <a:lnTo>
+                    <a:pt x="2473502" y="1450049"/>
+                  </a:lnTo>
+                  <a:lnTo>
+                    <a:pt x="2473502" y="1364752"/>
+                  </a:lnTo>
+                  <a:lnTo>
+                    <a:pt x="2473502" y="1279455"/>
+                  </a:lnTo>
+                  <a:lnTo>
+                    <a:pt x="2473502" y="1194158"/>
+                  </a:lnTo>
+                  <a:lnTo>
+                    <a:pt x="2473502" y="1108861"/>
+                  </a:lnTo>
+                  <a:lnTo>
+                    <a:pt x="2473502" y="1023564"/>
+                  </a:lnTo>
+                  <a:lnTo>
+                    <a:pt x="2473502" y="938267"/>
+                  </a:lnTo>
+                  <a:lnTo>
+                    <a:pt x="2473502" y="852970"/>
+                  </a:lnTo>
+                  <a:lnTo>
+                    <a:pt x="2473502" y="767673"/>
+                  </a:lnTo>
+                  <a:lnTo>
+                    <a:pt x="2473502" y="682376"/>
+                  </a:lnTo>
+                  <a:lnTo>
+                    <a:pt x="2473502" y="597079"/>
+                  </a:lnTo>
+                  <a:lnTo>
+                    <a:pt x="2473502" y="511782"/>
+                  </a:lnTo>
+                  <a:lnTo>
+                    <a:pt x="2473502" y="426485"/>
+                  </a:lnTo>
+                  <a:lnTo>
+                    <a:pt x="2473502" y="341188"/>
+                  </a:lnTo>
+                  <a:lnTo>
+                    <a:pt x="2473502" y="255891"/>
+                  </a:lnTo>
+                  <a:lnTo>
+                    <a:pt x="2473502" y="170594"/>
+                  </a:lnTo>
+                  <a:lnTo>
+                    <a:pt x="2473502" y="85297"/>
+                  </a:lnTo>
+                  <a:lnTo>
+                    <a:pt x="2473502" y="0"/>
+                  </a:lnTo>
+                  <a:lnTo>
+                    <a:pt x="2389561" y="1424"/>
+                  </a:lnTo>
+                  <a:lnTo>
+                    <a:pt x="2305716" y="5697"/>
+                  </a:lnTo>
+                  <a:lnTo>
+                    <a:pt x="2222065" y="12812"/>
+                  </a:lnTo>
+                  <a:lnTo>
+                    <a:pt x="2138703" y="22761"/>
+                  </a:lnTo>
+                  <a:lnTo>
+                    <a:pt x="2055727" y="35534"/>
+                  </a:lnTo>
+                  <a:lnTo>
+                    <a:pt x="1973233" y="51115"/>
+                  </a:lnTo>
+                  <a:lnTo>
+                    <a:pt x="1891314" y="69487"/>
+                  </a:lnTo>
+                  <a:lnTo>
+                    <a:pt x="1810066" y="90628"/>
+                  </a:lnTo>
+                  <a:lnTo>
+                    <a:pt x="1729583" y="114514"/>
+                  </a:lnTo>
+                  <a:lnTo>
+                    <a:pt x="1649956" y="141117"/>
+                  </a:lnTo>
+                  <a:lnTo>
+                    <a:pt x="1571278" y="170407"/>
+                  </a:lnTo>
+                  <a:lnTo>
+                    <a:pt x="1493639" y="202351"/>
+                  </a:lnTo>
+                  <a:lnTo>
+                    <a:pt x="1417129" y="236910"/>
+                  </a:lnTo>
+                  <a:lnTo>
+                    <a:pt x="1341836" y="274046"/>
+                  </a:lnTo>
+                  <a:lnTo>
+                    <a:pt x="1267846" y="313715"/>
+                  </a:lnTo>
+                  <a:lnTo>
+                    <a:pt x="1195245" y="355873"/>
+                  </a:lnTo>
+                  <a:lnTo>
+                    <a:pt x="1124116" y="400470"/>
+                  </a:lnTo>
+                  <a:lnTo>
+                    <a:pt x="1054542" y="447455"/>
+                  </a:lnTo>
+                  <a:lnTo>
+                    <a:pt x="986603" y="496773"/>
+                  </a:lnTo>
+                  <a:lnTo>
+                    <a:pt x="920376" y="548369"/>
+                  </a:lnTo>
+                  <a:lnTo>
+                    <a:pt x="855938" y="602183"/>
+                  </a:lnTo>
+                  <a:lnTo>
+                    <a:pt x="793363" y="658152"/>
+                  </a:lnTo>
+                  <a:lnTo>
+                    <a:pt x="732724" y="716213"/>
+                  </a:lnTo>
+                  <a:lnTo>
+                    <a:pt x="674089" y="776298"/>
+                  </a:lnTo>
+                  <a:lnTo>
+                    <a:pt x="617528" y="838337"/>
+                  </a:lnTo>
+                  <a:lnTo>
+                    <a:pt x="563104" y="902261"/>
+                  </a:lnTo>
+                  <a:lnTo>
+                    <a:pt x="510881" y="967995"/>
+                  </a:lnTo>
+                  <a:lnTo>
+                    <a:pt x="460919" y="1035463"/>
+                  </a:lnTo>
+                  <a:lnTo>
+                    <a:pt x="413275" y="1104587"/>
+                  </a:lnTo>
+                  <a:lnTo>
+                    <a:pt x="368004" y="1175289"/>
+                  </a:lnTo>
+                  <a:lnTo>
+                    <a:pt x="325159" y="1247486"/>
+                  </a:lnTo>
+                  <a:lnTo>
+                    <a:pt x="284788" y="1321095"/>
+                  </a:lnTo>
+                  <a:lnTo>
+                    <a:pt x="246938" y="1396032"/>
+                  </a:lnTo>
+                  <a:lnTo>
+                    <a:pt x="211653" y="1472210"/>
+                  </a:lnTo>
+                  <a:lnTo>
+                    <a:pt x="178974" y="1549542"/>
+                  </a:lnTo>
+                  <a:lnTo>
+                    <a:pt x="148937" y="1627938"/>
+                  </a:lnTo>
+                  <a:lnTo>
+                    <a:pt x="121579" y="1707309"/>
+                  </a:lnTo>
+                  <a:lnTo>
+                    <a:pt x="96929" y="1787562"/>
+                  </a:lnTo>
+                  <a:lnTo>
+                    <a:pt x="75017" y="1868605"/>
+                  </a:lnTo>
+                  <a:lnTo>
+                    <a:pt x="55867" y="1950345"/>
+                  </a:lnTo>
+                  <a:lnTo>
+                    <a:pt x="39503" y="2032688"/>
+                  </a:lnTo>
+                  <a:lnTo>
+                    <a:pt x="25942" y="2115539"/>
+                  </a:lnTo>
+                  <a:lnTo>
+                    <a:pt x="15201" y="2198802"/>
+                  </a:lnTo>
+                  <a:lnTo>
+                    <a:pt x="7291" y="2282382"/>
+                  </a:lnTo>
+                  <a:lnTo>
+                    <a:pt x="2222" y="2366182"/>
+                  </a:lnTo>
+                  <a:lnTo>
+                    <a:pt x="0" y="2450106"/>
+                  </a:lnTo>
+                  <a:lnTo>
+                    <a:pt x="626" y="2534057"/>
+                  </a:lnTo>
+                  <a:lnTo>
+                    <a:pt x="4102" y="2617938"/>
+                  </a:lnTo>
+                  <a:lnTo>
+                    <a:pt x="10422" y="2701653"/>
+                  </a:lnTo>
+                  <a:lnTo>
+                    <a:pt x="19579" y="2785105"/>
+                  </a:lnTo>
+                  <a:lnTo>
+                    <a:pt x="31562" y="2868199"/>
+                  </a:lnTo>
+                  <a:lnTo>
+                    <a:pt x="46359" y="2950838"/>
+                  </a:lnTo>
+                  <a:lnTo>
+                    <a:pt x="63951" y="3032927"/>
+                  </a:lnTo>
+                  <a:lnTo>
+                    <a:pt x="84319" y="3114372"/>
+                  </a:lnTo>
+                  <a:lnTo>
+                    <a:pt x="107439" y="3195079"/>
+                  </a:lnTo>
+                  <a:lnTo>
+                    <a:pt x="133284" y="3274955"/>
+                  </a:lnTo>
+                  <a:lnTo>
+                    <a:pt x="161826" y="3353908"/>
+                  </a:lnTo>
+                  <a:lnTo>
+                    <a:pt x="193029" y="3431847"/>
+                  </a:lnTo>
+                  <a:lnTo>
+                    <a:pt x="226860" y="3508682"/>
+                  </a:lnTo>
+                  <a:lnTo>
+                    <a:pt x="263279" y="3584325"/>
+                  </a:lnTo>
+                  <a:lnTo>
+                    <a:pt x="302243" y="3658688"/>
+                  </a:lnTo>
+                  <a:lnTo>
+                    <a:pt x="343709" y="3731687"/>
+                  </a:lnTo>
+                  <a:lnTo>
+                    <a:pt x="387628" y="3803236"/>
+                  </a:lnTo>
+                  <a:lnTo>
+                    <a:pt x="433949" y="3873253"/>
+                  </a:lnTo>
+                  <a:lnTo>
+                    <a:pt x="482620" y="3941659"/>
+                  </a:lnTo>
+                  <a:lnTo>
+                    <a:pt x="533585" y="4008373"/>
+                  </a:lnTo>
+                  <a:lnTo>
+                    <a:pt x="586783" y="4073320"/>
+                  </a:lnTo>
+                  <a:lnTo>
+                    <a:pt x="642155" y="4136423"/>
+                  </a:lnTo>
+                  <a:lnTo>
+                    <a:pt x="699637" y="4197612"/>
+                  </a:lnTo>
+                  <a:lnTo>
+                    <a:pt x="759162" y="4256814"/>
+                  </a:lnTo>
+                  <a:lnTo>
+                    <a:pt x="820662" y="4313963"/>
+                  </a:lnTo>
+                  <a:lnTo>
+                    <a:pt x="884065" y="4368991"/>
+                  </a:lnTo>
+                  <a:lnTo>
+                    <a:pt x="949299" y="4421837"/>
+                  </a:lnTo>
+                  <a:lnTo>
+                    <a:pt x="1016290" y="4472438"/>
+                  </a:lnTo>
+                  <a:lnTo>
+                    <a:pt x="1084958" y="4520736"/>
+                  </a:lnTo>
+                  <a:lnTo>
+                    <a:pt x="1155226" y="4566677"/>
+                  </a:lnTo>
+                  <a:lnTo>
+                    <a:pt x="1227013" y="4610207"/>
+                  </a:lnTo>
+                  <a:lnTo>
+                    <a:pt x="1300235" y="4651275"/>
+                  </a:lnTo>
+                  <a:lnTo>
+                    <a:pt x="1374809" y="4689836"/>
+                  </a:lnTo>
+                  <a:lnTo>
+                    <a:pt x="1450649" y="4725843"/>
+                  </a:lnTo>
+                  <a:lnTo>
+                    <a:pt x="1527666" y="4759256"/>
+                  </a:lnTo>
+                  <a:lnTo>
+                    <a:pt x="1605774" y="4790036"/>
+                  </a:lnTo>
+                  <a:lnTo>
+                    <a:pt x="1684880" y="4818148"/>
+                  </a:lnTo>
+                  <a:lnTo>
+                    <a:pt x="1764895" y="4843559"/>
+                  </a:lnTo>
+                  <a:lnTo>
+                    <a:pt x="1845727" y="4866241"/>
+                  </a:lnTo>
+                  <a:lnTo>
+                    <a:pt x="1927281" y="4886166"/>
+                  </a:lnTo>
+                  <a:lnTo>
+                    <a:pt x="2009465" y="4903312"/>
+                  </a:lnTo>
+                  <a:lnTo>
+                    <a:pt x="2092183" y="4917660"/>
+                  </a:lnTo>
+                  <a:lnTo>
+                    <a:pt x="2175341" y="4929192"/>
+                  </a:lnTo>
+                  <a:lnTo>
+                    <a:pt x="2258841" y="4937896"/>
+                  </a:lnTo>
+                  <a:lnTo>
+                    <a:pt x="2342590" y="4943761"/>
+                  </a:lnTo>
+                  <a:lnTo>
+                    <a:pt x="2426488" y="4946781"/>
+                  </a:lnTo>
+                  <a:lnTo>
+                    <a:pt x="2510442" y="4946952"/>
+                  </a:lnTo>
+                  <a:lnTo>
+                    <a:pt x="2594352" y="4944273"/>
+                  </a:lnTo>
+                  <a:lnTo>
+                    <a:pt x="2678123" y="4938749"/>
+                  </a:lnTo>
+                  <a:lnTo>
+                    <a:pt x="2761659" y="4930386"/>
+                  </a:lnTo>
+                  <a:lnTo>
+                    <a:pt x="2844863" y="4919192"/>
+                  </a:lnTo>
+                  <a:lnTo>
+                    <a:pt x="2927639" y="4905182"/>
+                  </a:lnTo>
+                  <a:lnTo>
+                    <a:pt x="3009892" y="4888371"/>
+                  </a:lnTo>
+                  <a:lnTo>
+                    <a:pt x="3091527" y="4868778"/>
+                  </a:lnTo>
+                  <a:lnTo>
+                    <a:pt x="3172450" y="4846426"/>
+                  </a:lnTo>
+                  <a:lnTo>
+                    <a:pt x="3252568" y="4821340"/>
+                  </a:lnTo>
+                  <a:lnTo>
+                    <a:pt x="3331788" y="4793551"/>
+                  </a:lnTo>
+                  <a:lnTo>
+                    <a:pt x="3410020" y="4763089"/>
+                  </a:lnTo>
+                  <a:lnTo>
+                    <a:pt x="3487173" y="4729990"/>
+                  </a:lnTo>
+                  <a:lnTo>
+                    <a:pt x="3563159" y="4694292"/>
+                  </a:lnTo>
+                  <a:lnTo>
+                    <a:pt x="3637889" y="4656036"/>
+                  </a:lnTo>
+                  <a:lnTo>
+                    <a:pt x="3711278" y="4615266"/>
+                  </a:lnTo>
+                  <a:lnTo>
+                    <a:pt x="3783241" y="4572029"/>
+                  </a:lnTo>
+                  <a:lnTo>
+                    <a:pt x="3853696" y="4526375"/>
+                  </a:lnTo>
+                  <a:lnTo>
+                    <a:pt x="3922561" y="4478356"/>
+                  </a:lnTo>
+                  <a:lnTo>
+                    <a:pt x="3989756" y="4428028"/>
+                  </a:lnTo>
+                  <a:lnTo>
+                    <a:pt x="4055205" y="4375449"/>
+                  </a:lnTo>
+                  <a:lnTo>
+                    <a:pt x="4118833" y="4320679"/>
+                  </a:lnTo>
+                  <a:lnTo>
+                    <a:pt x="4180564" y="4263782"/>
+                  </a:lnTo>
+                  <a:lnTo>
+                    <a:pt x="4240330" y="4204822"/>
+                  </a:lnTo>
+                  <a:lnTo>
+                    <a:pt x="4298060" y="4143868"/>
+                  </a:lnTo>
+                  <a:lnTo>
+                    <a:pt x="4353689" y="4080991"/>
+                  </a:lnTo>
+                  <a:lnTo>
+                    <a:pt x="4407152" y="4016262"/>
+                  </a:lnTo>
+                  <a:lnTo>
+                    <a:pt x="4458387" y="3949755"/>
+                  </a:lnTo>
+                  <a:lnTo>
+                    <a:pt x="4507336" y="3881549"/>
+                  </a:lnTo>
+                  <a:lnTo>
+                    <a:pt x="4553943" y="3811720"/>
+                  </a:lnTo>
+                  <a:lnTo>
+                    <a:pt x="4598153" y="3740351"/>
+                  </a:lnTo>
+                  <a:lnTo>
+                    <a:pt x="4639915" y="3667522"/>
+                  </a:lnTo>
+                  <a:lnTo>
+                    <a:pt x="4679183" y="3593318"/>
+                  </a:lnTo>
+                  <a:lnTo>
+                    <a:pt x="4715909" y="3517824"/>
+                  </a:lnTo>
+                  <a:lnTo>
+                    <a:pt x="4750052" y="3441127"/>
+                  </a:lnTo>
+                  <a:lnTo>
+                    <a:pt x="4781573" y="3363316"/>
+                  </a:lnTo>
+                  <a:lnTo>
+                    <a:pt x="4810436" y="3284480"/>
+                  </a:lnTo>
+                  <a:lnTo>
+                    <a:pt x="4836606" y="3204710"/>
+                  </a:lnTo>
+                  <a:lnTo>
+                    <a:pt x="4860055" y="3124098"/>
+                  </a:lnTo>
+                  <a:lnTo>
+                    <a:pt x="4880754" y="3042737"/>
+                  </a:lnTo>
+                  <a:lnTo>
+                    <a:pt x="4898681" y="2960720"/>
+                  </a:lnTo>
+                  <a:lnTo>
+                    <a:pt x="4913814" y="2878142"/>
+                  </a:lnTo>
+                  <a:lnTo>
+                    <a:pt x="4926136" y="2795097"/>
+                  </a:lnTo>
+                  <a:lnTo>
+                    <a:pt x="4935633" y="2711683"/>
+                  </a:lnTo>
+                  <a:lnTo>
+                    <a:pt x="4942293" y="2627994"/>
+                  </a:lnTo>
+                  <a:lnTo>
+                    <a:pt x="4946110" y="2544128"/>
+                  </a:lnTo>
+                  <a:lnTo>
+                    <a:pt x="4947079" y="2460180"/>
+                  </a:lnTo>
+                  <a:lnTo>
+                    <a:pt x="4945199" y="2376248"/>
+                  </a:lnTo>
+                  <a:lnTo>
+                    <a:pt x="4940471" y="2292428"/>
+                  </a:lnTo>
+                  <a:lnTo>
+                    <a:pt x="4932902" y="2208817"/>
+                  </a:lnTo>
+                  <a:lnTo>
+                    <a:pt x="4922500" y="2125510"/>
+                  </a:lnTo>
+                  <a:lnTo>
+                    <a:pt x="4909276" y="2042605"/>
+                  </a:lnTo>
+                  <a:lnTo>
+                    <a:pt x="4893247" y="1960196"/>
+                  </a:lnTo>
+                  <a:lnTo>
+                    <a:pt x="4874431" y="1878379"/>
+                  </a:lnTo>
+                  <a:lnTo>
+                    <a:pt x="4852849" y="1797247"/>
+                  </a:lnTo>
+                  <a:lnTo>
+                    <a:pt x="4828527" y="1716894"/>
+                  </a:lnTo>
+                  <a:lnTo>
+                    <a:pt x="4801491" y="1637413"/>
+                  </a:lnTo>
+                  <a:lnTo>
+                    <a:pt x="4771774" y="1558895"/>
+                  </a:lnTo>
+                  <a:lnTo>
+                    <a:pt x="4739410" y="1481431"/>
+                  </a:lnTo>
+                  <a:lnTo>
+                    <a:pt x="4704436" y="1405110"/>
+                  </a:lnTo>
+                  <a:lnTo>
+                    <a:pt x="4666891" y="1330019"/>
+                  </a:lnTo>
+                  <a:lnTo>
+                    <a:pt x="4626821" y="1256246"/>
+                  </a:lnTo>
+                  <a:lnTo>
+                    <a:pt x="4584270" y="1183875"/>
+                  </a:lnTo>
+                  <a:lnTo>
+                    <a:pt x="4539287" y="1112990"/>
+                  </a:lnTo>
+                  <a:lnTo>
+                    <a:pt x="4491925" y="1043672"/>
+                  </a:lnTo>
+                  <a:lnTo>
+                    <a:pt x="4442238" y="976001"/>
+                  </a:lnTo>
+                  <a:lnTo>
+                    <a:pt x="4390283" y="910055"/>
+                  </a:lnTo>
+                  <a:lnTo>
+                    <a:pt x="4336120" y="845910"/>
+                  </a:lnTo>
+                  <a:lnTo>
+                    <a:pt x="4279812" y="783640"/>
+                  </a:lnTo>
+                  <a:lnTo>
+                    <a:pt x="4221423" y="723317"/>
+                  </a:lnTo>
+                  <a:lnTo>
+                    <a:pt x="4161021" y="665010"/>
+                  </a:lnTo>
+                  <a:lnTo>
+                    <a:pt x="4098675" y="608787"/>
+                  </a:lnTo>
+                  <a:lnTo>
+                    <a:pt x="4034456" y="554711"/>
+                  </a:lnTo>
+                  <a:lnTo>
+                    <a:pt x="3968440" y="502846"/>
+                  </a:lnTo>
+                  <a:lnTo>
+                    <a:pt x="3900702" y="453251"/>
+                  </a:lnTo>
+                  <a:lnTo>
+                    <a:pt x="3831320" y="405983"/>
+                  </a:lnTo>
+                  <a:lnTo>
+                    <a:pt x="3760373" y="361097"/>
+                  </a:lnTo>
+                  <a:lnTo>
+                    <a:pt x="3687945" y="318644"/>
+                  </a:lnTo>
+                  <a:lnTo>
+                    <a:pt x="3614117" y="278673"/>
+                  </a:lnTo>
+                  <a:lnTo>
+                    <a:pt x="3538976" y="241231"/>
+                  </a:lnTo>
+                  <a:lnTo>
+                    <a:pt x="3462607" y="206360"/>
+                  </a:lnTo>
+                  <a:lnTo>
+                    <a:pt x="3385099" y="174101"/>
+                  </a:lnTo>
+                  <a:lnTo>
+                    <a:pt x="3306541" y="144491"/>
+                  </a:lnTo>
+                  <a:lnTo>
+                    <a:pt x="3227023" y="117563"/>
+                  </a:lnTo>
+                  <a:lnTo>
+                    <a:pt x="3146637" y="93350"/>
+                  </a:lnTo>
+                  <a:lnTo>
+                    <a:pt x="3065476" y="71878"/>
+                  </a:lnTo>
+                  <a:lnTo>
+                    <a:pt x="3045063" y="154697"/>
+                  </a:lnTo>
+                  <a:lnTo>
+                    <a:pt x="3024650" y="237515"/>
+                  </a:lnTo>
+                  <a:lnTo>
+                    <a:pt x="3004238" y="320334"/>
+                  </a:lnTo>
+                  <a:lnTo>
+                    <a:pt x="2983825" y="403152"/>
+                  </a:lnTo>
+                  <a:lnTo>
+                    <a:pt x="2963412" y="485971"/>
+                  </a:lnTo>
+                  <a:lnTo>
+                    <a:pt x="2942999" y="568789"/>
+                  </a:lnTo>
+                  <a:lnTo>
+                    <a:pt x="2922586" y="651607"/>
+                  </a:lnTo>
+                  <a:lnTo>
+                    <a:pt x="2902173" y="734426"/>
+                  </a:lnTo>
+                  <a:lnTo>
+                    <a:pt x="2881760" y="817244"/>
+                  </a:lnTo>
+                  <a:lnTo>
+                    <a:pt x="2861347" y="900063"/>
+                  </a:lnTo>
+                  <a:lnTo>
+                    <a:pt x="2840934" y="982881"/>
+                  </a:lnTo>
+                  <a:lnTo>
+                    <a:pt x="2820521" y="1065700"/>
+                  </a:lnTo>
+                  <a:lnTo>
+                    <a:pt x="2800108" y="1148518"/>
+                  </a:lnTo>
+                  <a:lnTo>
+                    <a:pt x="2779695" y="1231337"/>
+                  </a:lnTo>
+                  <a:lnTo>
+                    <a:pt x="2759283" y="1314155"/>
+                  </a:lnTo>
+                  <a:lnTo>
+                    <a:pt x="2738870" y="1396974"/>
+                  </a:lnTo>
+                  <a:lnTo>
+                    <a:pt x="2718457" y="1479792"/>
+                  </a:lnTo>
+                  <a:lnTo>
+                    <a:pt x="2698044" y="1562610"/>
+                  </a:lnTo>
+                  <a:lnTo>
+                    <a:pt x="2677631" y="1645429"/>
+                  </a:lnTo>
+                  <a:lnTo>
+                    <a:pt x="2657218" y="1728247"/>
+                  </a:lnTo>
+                  <a:lnTo>
+                    <a:pt x="2636805" y="1811066"/>
+                  </a:lnTo>
+                  <a:lnTo>
+                    <a:pt x="2616392" y="1893884"/>
+                  </a:lnTo>
+                  <a:lnTo>
+                    <a:pt x="2595979" y="1976703"/>
+                  </a:lnTo>
+                  <a:lnTo>
+                    <a:pt x="2575566" y="2059521"/>
+                  </a:lnTo>
+                  <a:lnTo>
+                    <a:pt x="2555153" y="2142340"/>
+                  </a:lnTo>
+                  <a:lnTo>
+                    <a:pt x="2534740" y="2225158"/>
+                  </a:lnTo>
+                  <a:lnTo>
+                    <a:pt x="2514328" y="2307977"/>
+                  </a:lnTo>
+                  <a:lnTo>
+                    <a:pt x="2493915" y="2390795"/>
                   </a:lnTo>
                   <a:close/>
                 </a:path>
@@ -3061,13 +3275,105 @@
         </p:sp>
         <p:sp>
           <p:nvSpPr>
-            <p:cNvPr id="6" name="tx5"/>
+            <p:cNvPr id="7" name="tx6"/>
             <p:cNvSpPr/>
             <p:nvPr/>
           </p:nvSpPr>
           <p:spPr>
             <a:xfrm>
-              <a:off x="4907904" y="5183201"/>
+              <a:off x="5032901" y="2718604"/>
+              <a:ext cx="1205158" cy="198283"/>
+            </a:xfrm>
+            <a:prstGeom prst="rect">
+              <a:avLst/>
+            </a:prstGeom>
+            <a:noFill/>
+          </p:spPr>
+          <p:txBody>
+            <a:bodyPr lIns="0" rIns="0" tIns="0" bIns="0" anchorCtr="1" anchor="ctr" wrap="none"/>
+            <a:lstStyle/>
+            <a:p>
+              <a:pPr algn="l" marL="0" marR="0" indent="0">
+                <a:lnSpc>
+                  <a:spcPts val="1707"/>
+                </a:lnSpc>
+                <a:spcBef>
+                  <a:spcPts val="0"/>
+                </a:spcBef>
+                <a:spcAft>
+                  <a:spcPts val="0"/>
+                </a:spcAft>
+              </a:pPr>
+              <a:r>
+                <a:rPr sz="1707">
+                  <a:solidFill>
+                    <a:srgbClr val="000000">
+                      <a:alpha val="100000"/>
+                    </a:srgbClr>
+                  </a:solidFill>
+                  <a:latin typeface="Arial"/>
+                  <a:cs typeface="Arial"/>
+                </a:rPr>
+                <a:t>Heterotroph </a:t>
+              </a:r>
+            </a:p>
+          </p:txBody>
+        </p:sp>
+        <p:sp>
+          <p:nvSpPr>
+            <p:cNvPr id="8" name="tx7"/>
+            <p:cNvSpPr/>
+            <p:nvPr/>
+          </p:nvSpPr>
+          <p:spPr>
+            <a:xfrm>
+              <a:off x="5207577" y="3065534"/>
+              <a:ext cx="855806" cy="163560"/>
+            </a:xfrm>
+            <a:prstGeom prst="rect">
+              <a:avLst/>
+            </a:prstGeom>
+            <a:noFill/>
+          </p:spPr>
+          <p:txBody>
+            <a:bodyPr lIns="0" rIns="0" tIns="0" bIns="0" anchorCtr="1" anchor="ctr" wrap="none"/>
+            <a:lstStyle/>
+            <a:p>
+              <a:pPr algn="l" marL="0" marR="0" indent="0">
+                <a:lnSpc>
+                  <a:spcPts val="1707"/>
+                </a:lnSpc>
+                <a:spcBef>
+                  <a:spcPts val="0"/>
+                </a:spcBef>
+                <a:spcAft>
+                  <a:spcPts val="0"/>
+                </a:spcAft>
+              </a:pPr>
+              <a:r>
+                <a:rPr sz="1707">
+                  <a:solidFill>
+                    <a:srgbClr val="000000">
+                      <a:alpha val="100000"/>
+                    </a:srgbClr>
+                  </a:solidFill>
+                  <a:latin typeface="Arial"/>
+                  <a:cs typeface="Arial"/>
+                </a:rPr>
+                <a:t> 3.846 %</a:t>
+              </a:r>
+            </a:p>
+          </p:txBody>
+        </p:sp>
+        <p:sp>
+          <p:nvSpPr>
+            <p:cNvPr id="9" name="tx8"/>
+            <p:cNvSpPr/>
+            <p:nvPr/>
+          </p:nvSpPr>
+          <p:spPr>
+            <a:xfrm>
+              <a:off x="4758824" y="5174183"/>
               <a:ext cx="1156990" cy="198283"/>
             </a:xfrm>
             <a:prstGeom prst="rect">
@@ -3107,14 +3413,14 @@
         </p:sp>
         <p:sp>
           <p:nvSpPr>
-            <p:cNvPr id="7" name="tx6"/>
+            <p:cNvPr id="10" name="tx9"/>
             <p:cNvSpPr/>
             <p:nvPr/>
           </p:nvSpPr>
           <p:spPr>
             <a:xfrm>
-              <a:off x="5148904" y="5530130"/>
-              <a:ext cx="674990" cy="163560"/>
+              <a:off x="4849126" y="5521113"/>
+              <a:ext cx="976386" cy="163560"/>
             </a:xfrm>
             <a:prstGeom prst="rect">
               <a:avLst/>
@@ -3146,14 +3452,14 @@
                   <a:latin typeface="Arial"/>
                   <a:cs typeface="Arial"/>
                 </a:rPr>
-                <a:t> 100 %</a:t>
+                <a:t> 96.154 %</a:t>
               </a:r>
             </a:p>
           </p:txBody>
         </p:sp>
         <p:sp>
           <p:nvSpPr>
-            <p:cNvPr id="8" name="tx7"/>
+            <p:cNvPr id="11" name="tx10"/>
             <p:cNvSpPr/>
             <p:nvPr/>
           </p:nvSpPr>
